--- a/TeamCode/src/main/tag36h11/signal-sleeve-template-ppt-version.pptx
+++ b/TeamCode/src/main/tag36h11/signal-sleeve-template-ppt-version.pptx
@@ -188,7 +188,7 @@
           <a:p>
             <a:fld id="{1D8BD707-D9CF-40AE-B4C6-C98DA3205C09}" type="datetimeFigureOut">
               <a:rPr lang="en-US"/>
-              <a:t>9/18/2022</a:t>
+              <a:t>9/21/2022</a:t>
             </a:fld>
             <a:endParaRPr lang="en-US"/>
           </a:p>
@@ -393,7 +393,7 @@
           <a:p>
             <a:fld id="{1D8BD707-D9CF-40AE-B4C6-C98DA3205C09}" type="datetimeFigureOut">
               <a:rPr lang="en-US"/>
-              <a:t>9/18/2022</a:t>
+              <a:t>9/21/2022</a:t>
             </a:fld>
             <a:endParaRPr lang="en-US"/>
           </a:p>
@@ -633,7 +633,7 @@
           <a:p>
             <a:fld id="{1D8BD707-D9CF-40AE-B4C6-C98DA3205C09}" type="datetimeFigureOut">
               <a:rPr lang="en-US"/>
-              <a:t>9/18/2022</a:t>
+              <a:t>9/21/2022</a:t>
             </a:fld>
             <a:endParaRPr lang="en-US"/>
           </a:p>
@@ -807,7 +807,7 @@
           <a:p>
             <a:fld id="{1D8BD707-D9CF-40AE-B4C6-C98DA3205C09}" type="datetimeFigureOut">
               <a:rPr lang="en-US"/>
-              <a:t>9/18/2022</a:t>
+              <a:t>9/21/2022</a:t>
             </a:fld>
             <a:endParaRPr lang="en-US"/>
           </a:p>
@@ -950,7 +950,7 @@
           <a:p>
             <a:fld id="{1D8BD707-D9CF-40AE-B4C6-C98DA3205C09}" type="datetimeFigureOut">
               <a:rPr lang="en-US"/>
-              <a:t>9/18/2022</a:t>
+              <a:t>9/21/2022</a:t>
             </a:fld>
             <a:endParaRPr lang="en-US"/>
           </a:p>
@@ -5386,10 +5386,10 @@
       </p:sp>
       <p:pic>
         <p:nvPicPr>
-          <p:cNvPr id="8" name="Picture 7">
+          <p:cNvPr id="6" name="Picture 5">
             <a:extLst>
               <a:ext uri="{FF2B5EF4-FFF2-40B4-BE49-F238E27FC236}">
-                <a16:creationId xmlns:a16="http://schemas.microsoft.com/office/drawing/2014/main" id="{FA8EADEF-9AA8-69DF-EFEC-E63EBC7D0E43}"/>
+                <a16:creationId xmlns:a16="http://schemas.microsoft.com/office/drawing/2014/main" id="{2104530A-3A67-0008-2688-D3999AC2F8B5}"/>
               </a:ext>
             </a:extLst>
           </p:cNvPr>
@@ -5405,9 +5405,9 @@
           </a:stretch>
         </p:blipFill>
         <p:spPr>
-          <a:xfrm rot="1065918">
-            <a:off x="1748243" y="4013978"/>
-            <a:ext cx="1732071" cy="2240046"/>
+          <a:xfrm>
+            <a:off x="4267200" y="4800600"/>
+            <a:ext cx="1819382" cy="1824981"/>
           </a:xfrm>
           <a:prstGeom prst="rect">
             <a:avLst/>
@@ -5416,10 +5416,10 @@
       </p:pic>
       <p:pic>
         <p:nvPicPr>
-          <p:cNvPr id="10" name="Picture 9">
+          <p:cNvPr id="8" name="Picture 7">
             <a:extLst>
               <a:ext uri="{FF2B5EF4-FFF2-40B4-BE49-F238E27FC236}">
-                <a16:creationId xmlns:a16="http://schemas.microsoft.com/office/drawing/2014/main" id="{09C2A31A-9593-20E4-8F2E-6C54BD97127F}"/>
+                <a16:creationId xmlns:a16="http://schemas.microsoft.com/office/drawing/2014/main" id="{17F69E23-73D9-C127-3543-2B77F6B51A76}"/>
               </a:ext>
             </a:extLst>
           </p:cNvPr>
@@ -5435,9 +5435,9 @@
           </a:stretch>
         </p:blipFill>
         <p:spPr>
-          <a:xfrm>
-            <a:off x="4343399" y="4441371"/>
-            <a:ext cx="1731281" cy="2239024"/>
+          <a:xfrm rot="1116459">
+            <a:off x="1663306" y="4391854"/>
+            <a:ext cx="1819391" cy="1824981"/>
           </a:xfrm>
           <a:prstGeom prst="rect">
             <a:avLst/>
@@ -5446,10 +5446,10 @@
       </p:pic>
       <p:pic>
         <p:nvPicPr>
-          <p:cNvPr id="12" name="Picture 11">
+          <p:cNvPr id="10" name="Picture 9">
             <a:extLst>
               <a:ext uri="{FF2B5EF4-FFF2-40B4-BE49-F238E27FC236}">
-                <a16:creationId xmlns:a16="http://schemas.microsoft.com/office/drawing/2014/main" id="{26CB266E-A774-5400-9EB0-5C3B71FD0290}"/>
+                <a16:creationId xmlns:a16="http://schemas.microsoft.com/office/drawing/2014/main" id="{DFE912D0-B0DD-BDAB-F0A2-A424D53A2F16}"/>
               </a:ext>
             </a:extLst>
           </p:cNvPr>
@@ -5465,9 +5465,9 @@
           </a:stretch>
         </p:blipFill>
         <p:spPr>
-          <a:xfrm rot="20466145">
-            <a:off x="6951238" y="4092653"/>
-            <a:ext cx="1671773" cy="2163752"/>
+          <a:xfrm rot="20494755">
+            <a:off x="6880450" y="4391854"/>
+            <a:ext cx="1824981" cy="1824981"/>
           </a:xfrm>
           <a:prstGeom prst="rect">
             <a:avLst/>
